--- a/需求分析/软件需求规格说明（SRS）PPT.pptx
+++ b/需求分析/软件需求规格说明（SRS）PPT.pptx
@@ -27,11 +27,12 @@
     <p:sldId id="277" r:id="rId20"/>
     <p:sldId id="278" r:id="rId21"/>
     <p:sldId id="271" r:id="rId22"/>
+    <p:sldId id="282" r:id="rId23"/>
   </p:sldIdLst>
   <p:sldSz cx="12192000" cy="6858000"/>
   <p:notesSz cx="6858000" cy="9144000"/>
   <p:custDataLst>
-    <p:tags r:id="rId26"/>
+    <p:tags r:id="rId27"/>
   </p:custDataLst>
   <p:defaultTextStyle>
     <a:defPPr>
@@ -1799,6 +1800,126 @@
 </file>
 
 <file path=ppt/notesSlides/notesSlide2.xml><?xml version="1.0" encoding="utf-8"?>
+<p:notes xmlns:a="http://schemas.openxmlformats.org/drawingml/2006/main" xmlns:r="http://schemas.openxmlformats.org/officeDocument/2006/relationships" xmlns:p="http://schemas.openxmlformats.org/presentationml/2006/main">
+  <p:cSld>
+    <p:spTree>
+      <p:nvGrpSpPr>
+        <p:cNvPr id="1" name=""/>
+        <p:cNvGrpSpPr/>
+        <p:nvPr/>
+      </p:nvGrpSpPr>
+      <p:grpSpPr>
+        <a:xfrm>
+          <a:off x="0" y="0"/>
+          <a:ext cx="0" cy="0"/>
+          <a:chOff x="0" y="0"/>
+          <a:chExt cx="0" cy="0"/>
+        </a:xfrm>
+      </p:grpSpPr>
+      <p:sp>
+        <p:nvSpPr>
+          <p:cNvPr id="2" name="Slide Image Placeholder 1"/>
+          <p:cNvSpPr>
+            <a:spLocks noGrp="1" noRot="1" noChangeAspect="1"/>
+          </p:cNvSpPr>
+          <p:nvPr>
+            <p:ph type="sldImg"/>
+          </p:nvPr>
+        </p:nvSpPr>
+        <p:spPr/>
+      </p:sp>
+      <p:sp>
+        <p:nvSpPr>
+          <p:cNvPr id="3" name="Notes Placeholder 2"/>
+          <p:cNvSpPr>
+            <a:spLocks noGrp="1"/>
+          </p:cNvSpPr>
+          <p:nvPr>
+            <p:ph type="body" idx="1"/>
+          </p:nvPr>
+        </p:nvSpPr>
+        <p:spPr/>
+        <p:txBody>
+          <a:bodyPr/>
+          <a:lstStyle/>
+          <a:p>
+            <a:endParaRPr lang="en-US" dirty="0"/>
+          </a:p>
+        </p:txBody>
+      </p:sp>
+      <p:sp>
+        <p:nvSpPr>
+          <p:cNvPr id="4" name="Slide Number Placeholder 3"/>
+          <p:cNvSpPr>
+            <a:spLocks noGrp="1"/>
+          </p:cNvSpPr>
+          <p:nvPr>
+            <p:ph type="sldNum" sz="quarter" idx="10"/>
+          </p:nvPr>
+        </p:nvSpPr>
+        <p:spPr/>
+        <p:txBody>
+          <a:bodyPr/>
+          <a:lstStyle/>
+          <a:p>
+            <a:pPr marL="0" marR="0" lvl="0" indent="0" algn="r" defTabSz="1828165" rtl="0" eaLnBrk="1" fontAlgn="auto" latinLnBrk="0" hangingPunct="1">
+              <a:lnSpc>
+                <a:spcPct val="100000"/>
+              </a:lnSpc>
+              <a:spcBef>
+                <a:spcPts val="0"/>
+              </a:spcBef>
+              <a:spcAft>
+                <a:spcPts val="0"/>
+              </a:spcAft>
+              <a:buClrTx/>
+              <a:buSzTx/>
+              <a:buFontTx/>
+              <a:buNone/>
+              <a:defRPr/>
+            </a:pPr>
+            <a:fld id="{006BE02D-20C0-F840-AFAC-BEA99C74FDC2}" type="slidenum">
+              <a:rPr kumimoji="0" lang="en-US" sz="1200" b="0" i="0" u="none" strike="noStrike" kern="1200" cap="none" spc="0" normalizeH="0" baseline="0" noProof="0" smtClean="0">
+                <a:ln>
+                  <a:noFill/>
+                </a:ln>
+                <a:solidFill>
+                  <a:prstClr val="black"/>
+                </a:solidFill>
+                <a:effectLst/>
+                <a:uLnTx/>
+                <a:uFillTx/>
+                <a:latin typeface="Calibri Light" panose="020F0302020204030204"/>
+                <a:ea typeface="+mn-ea"/>
+                <a:cs typeface="+mn-cs"/>
+              </a:rPr>
+            </a:fld>
+            <a:endParaRPr kumimoji="0" lang="en-US" sz="1200" b="0" i="0" u="none" strike="noStrike" kern="1200" cap="none" spc="0" normalizeH="0" baseline="0" noProof="0" dirty="0">
+              <a:ln>
+                <a:noFill/>
+              </a:ln>
+              <a:solidFill>
+                <a:prstClr val="black"/>
+              </a:solidFill>
+              <a:effectLst/>
+              <a:uLnTx/>
+              <a:uFillTx/>
+              <a:latin typeface="Calibri Light" panose="020F0302020204030204"/>
+              <a:ea typeface="+mn-ea"/>
+              <a:cs typeface="+mn-cs"/>
+            </a:endParaRPr>
+          </a:p>
+        </p:txBody>
+      </p:sp>
+    </p:spTree>
+  </p:cSld>
+  <p:clrMapOvr>
+    <a:masterClrMapping/>
+  </p:clrMapOvr>
+</p:notes>
+</file>
+
+<file path=ppt/notesSlides/notesSlide20.xml><?xml version="1.0" encoding="utf-8"?>
 <p:notes xmlns:a="http://schemas.openxmlformats.org/drawingml/2006/main" xmlns:r="http://schemas.openxmlformats.org/officeDocument/2006/relationships" xmlns:p="http://schemas.openxmlformats.org/presentationml/2006/main">
   <p:cSld>
     <p:spTree>
@@ -11009,6 +11130,443 @@
               <a:latin typeface="Montserrat Semi" charset="0"/>
               <a:ea typeface="宋体" panose="02010600030101010101" pitchFamily="2" charset="-122"/>
               <a:cs typeface="Montserrat Semi" charset="0"/>
+            </a:endParaRPr>
+          </a:p>
+        </p:txBody>
+      </p:sp>
+    </p:spTree>
+  </p:cSld>
+  <p:clrMapOvr>
+    <a:masterClrMapping/>
+  </p:clrMapOvr>
+</p:sld>
+</file>
+
+<file path=ppt/slides/slide20.xml><?xml version="1.0" encoding="utf-8"?>
+<p:sld xmlns:a="http://schemas.openxmlformats.org/drawingml/2006/main" xmlns:r="http://schemas.openxmlformats.org/officeDocument/2006/relationships" xmlns:p="http://schemas.openxmlformats.org/presentationml/2006/main">
+  <p:cSld>
+    <p:bg>
+      <p:bgPr>
+        <a:solidFill>
+          <a:schemeClr val="bg1">
+            <a:lumMod val="85000"/>
+          </a:schemeClr>
+        </a:solidFill>
+        <a:effectLst/>
+      </p:bgPr>
+    </p:bg>
+    <p:spTree>
+      <p:nvGrpSpPr>
+        <p:cNvPr id="1" name=""/>
+        <p:cNvGrpSpPr/>
+        <p:nvPr/>
+      </p:nvGrpSpPr>
+      <p:grpSpPr>
+        <a:xfrm>
+          <a:off x="0" y="0"/>
+          <a:ext cx="0" cy="0"/>
+          <a:chOff x="0" y="0"/>
+          <a:chExt cx="0" cy="0"/>
+        </a:xfrm>
+      </p:grpSpPr>
+      <p:sp>
+        <p:nvSpPr>
+          <p:cNvPr id="2" name="Rectangle 1"/>
+          <p:cNvSpPr/>
+          <p:nvPr/>
+        </p:nvSpPr>
+        <p:spPr>
+          <a:xfrm>
+            <a:off x="2427605" y="2263775"/>
+            <a:ext cx="7336155" cy="3509645"/>
+          </a:xfrm>
+          <a:prstGeom prst="rect">
+            <a:avLst/>
+          </a:prstGeom>
+          <a:noFill/>
+          <a:ln>
+            <a:solidFill>
+              <a:schemeClr val="tx2"/>
+            </a:solidFill>
+          </a:ln>
+        </p:spPr>
+        <p:style>
+          <a:lnRef idx="2">
+            <a:schemeClr val="accent1">
+              <a:shade val="50000"/>
+            </a:schemeClr>
+          </a:lnRef>
+          <a:fillRef idx="1">
+            <a:schemeClr val="accent1"/>
+          </a:fillRef>
+          <a:effectRef idx="0">
+            <a:schemeClr val="accent1"/>
+          </a:effectRef>
+          <a:fontRef idx="minor">
+            <a:schemeClr val="lt1"/>
+          </a:fontRef>
+        </p:style>
+        <p:txBody>
+          <a:bodyPr rtlCol="0" anchor="ctr"/>
+          <a:lstStyle/>
+          <a:p>
+            <a:pPr algn="ctr" defTabSz="914400"/>
+            <a:endParaRPr lang="en-US">
+              <a:solidFill>
+                <a:srgbClr val="FFFFFF"/>
+              </a:solidFill>
+              <a:latin typeface="Lato Light"/>
+            </a:endParaRPr>
+          </a:p>
+        </p:txBody>
+      </p:sp>
+      <p:sp>
+        <p:nvSpPr>
+          <p:cNvPr id="4" name="TextBox 10"/>
+          <p:cNvSpPr txBox="1"/>
+          <p:nvPr/>
+        </p:nvSpPr>
+        <p:spPr>
+          <a:xfrm>
+            <a:off x="615913" y="434707"/>
+            <a:ext cx="3093531" cy="398780"/>
+          </a:xfrm>
+          <a:prstGeom prst="rect">
+            <a:avLst/>
+          </a:prstGeom>
+          <a:noFill/>
+        </p:spPr>
+        <p:txBody>
+          <a:bodyPr wrap="square" rtlCol="0">
+            <a:spAutoFit/>
+          </a:bodyPr>
+          <a:lstStyle/>
+          <a:p>
+            <a:pPr defTabSz="914400"/>
+            <a:r>
+              <a:rPr lang="en-US" altLang="zh-CN" sz="2000" spc="300" dirty="0">
+                <a:solidFill>
+                  <a:srgbClr val="000000"/>
+                </a:solidFill>
+                <a:latin typeface="华文仿宋" panose="02010600040101010101" charset="-122"/>
+                <a:ea typeface="华文仿宋" panose="02010600040101010101" charset="-122"/>
+                <a:cs typeface="Montserrat" charset="0"/>
+                <a:sym typeface="+mn-ea"/>
+              </a:rPr>
+              <a:t>G06</a:t>
+            </a:r>
+            <a:r>
+              <a:rPr lang="zh-CN" altLang="en-US" sz="2000" b="1" spc="300" dirty="0">
+                <a:latin typeface="华文仿宋" panose="02010600040101010101" charset="-122"/>
+                <a:ea typeface="华文仿宋" panose="02010600040101010101" charset="-122"/>
+                <a:cs typeface="Montserrat" charset="0"/>
+                <a:sym typeface="+mn-ea"/>
+              </a:rPr>
+              <a:t>软件需求规格说明</a:t>
+            </a:r>
+            <a:endParaRPr lang="zh-CN" altLang="en-US" sz="2000" b="1" spc="300" dirty="0">
+              <a:solidFill>
+                <a:srgbClr val="000000"/>
+              </a:solidFill>
+              <a:latin typeface="华文仿宋" panose="02010600040101010101" charset="-122"/>
+              <a:ea typeface="华文仿宋" panose="02010600040101010101" charset="-122"/>
+              <a:cs typeface="Montserrat" charset="0"/>
+            </a:endParaRPr>
+          </a:p>
+        </p:txBody>
+      </p:sp>
+      <p:sp>
+        <p:nvSpPr>
+          <p:cNvPr id="5" name="TextBox 10"/>
+          <p:cNvSpPr txBox="1"/>
+          <p:nvPr/>
+        </p:nvSpPr>
+        <p:spPr>
+          <a:xfrm>
+            <a:off x="615950" y="955040"/>
+            <a:ext cx="3261995" cy="645160"/>
+          </a:xfrm>
+          <a:prstGeom prst="rect">
+            <a:avLst/>
+          </a:prstGeom>
+          <a:noFill/>
+        </p:spPr>
+        <p:txBody>
+          <a:bodyPr wrap="square" rtlCol="0">
+            <a:spAutoFit/>
+          </a:bodyPr>
+          <a:p>
+            <a:pPr defTabSz="914400"/>
+            <a:r>
+              <a:rPr lang="zh-CN" sz="3600" b="1" spc="300" dirty="0">
+                <a:solidFill>
+                  <a:srgbClr val="000000"/>
+                </a:solidFill>
+                <a:latin typeface="华文仿宋" panose="02010600040101010101" charset="-122"/>
+                <a:ea typeface="华文仿宋" panose="02010600040101010101" charset="-122"/>
+                <a:cs typeface="Montserrat" charset="0"/>
+                <a:sym typeface="+mn-ea"/>
+              </a:rPr>
+              <a:t>当前阶段评价</a:t>
+            </a:r>
+            <a:endParaRPr lang="zh-CN" sz="3600" b="1" spc="300" dirty="0">
+              <a:solidFill>
+                <a:srgbClr val="000000"/>
+              </a:solidFill>
+              <a:latin typeface="华文仿宋" panose="02010600040101010101" charset="-122"/>
+              <a:ea typeface="华文仿宋" panose="02010600040101010101" charset="-122"/>
+              <a:cs typeface="Montserrat" charset="0"/>
+              <a:sym typeface="+mn-ea"/>
+            </a:endParaRPr>
+          </a:p>
+        </p:txBody>
+      </p:sp>
+      <p:sp>
+        <p:nvSpPr>
+          <p:cNvPr id="9" name="TextBox 10"/>
+          <p:cNvSpPr txBox="1"/>
+          <p:nvPr/>
+        </p:nvSpPr>
+        <p:spPr>
+          <a:xfrm>
+            <a:off x="2523490" y="2437130"/>
+            <a:ext cx="7285355" cy="3279140"/>
+          </a:xfrm>
+          <a:prstGeom prst="rect">
+            <a:avLst/>
+          </a:prstGeom>
+          <a:noFill/>
+        </p:spPr>
+        <p:txBody>
+          <a:bodyPr wrap="square" rtlCol="0">
+            <a:noAutofit/>
+          </a:bodyPr>
+          <a:p>
+            <a:pPr indent="457200" defTabSz="914400"/>
+            <a:r>
+              <a:rPr lang="zh-CN" altLang="en-US" sz="2000" spc="300" dirty="0">
+                <a:solidFill>
+                  <a:srgbClr val="000000"/>
+                </a:solidFill>
+                <a:latin typeface="华文仿宋" panose="02010600040101010101" charset="-122"/>
+                <a:ea typeface="华文仿宋" panose="02010600040101010101" charset="-122"/>
+                <a:cs typeface="Montserrat" charset="0"/>
+                <a:sym typeface="+mn-ea"/>
+              </a:rPr>
+              <a:t>2022-11-1本次项目分工及评分：</a:t>
+            </a:r>
+            <a:endParaRPr lang="zh-CN" altLang="en-US" sz="2000" spc="300" dirty="0">
+              <a:solidFill>
+                <a:srgbClr val="000000"/>
+              </a:solidFill>
+              <a:latin typeface="华文仿宋" panose="02010600040101010101" charset="-122"/>
+              <a:ea typeface="华文仿宋" panose="02010600040101010101" charset="-122"/>
+              <a:cs typeface="Montserrat" charset="0"/>
+              <a:sym typeface="+mn-ea"/>
+            </a:endParaRPr>
+          </a:p>
+          <a:p>
+            <a:pPr indent="457200" defTabSz="914400"/>
+            <a:r>
+              <a:rPr lang="zh-CN" altLang="en-US" sz="2000" b="1" spc="300" dirty="0">
+                <a:solidFill>
+                  <a:srgbClr val="000000"/>
+                </a:solidFill>
+                <a:latin typeface="华文仿宋" panose="02010600040101010101" charset="-122"/>
+                <a:ea typeface="华文仿宋" panose="02010600040101010101" charset="-122"/>
+                <a:cs typeface="Montserrat" charset="0"/>
+                <a:sym typeface="+mn-ea"/>
+              </a:rPr>
+              <a:t>胡晨炘（组长）</a:t>
+            </a:r>
+            <a:r>
+              <a:rPr lang="zh-CN" altLang="en-US" sz="2000" spc="300" dirty="0">
+                <a:solidFill>
+                  <a:srgbClr val="000000"/>
+                </a:solidFill>
+                <a:latin typeface="华文仿宋" panose="02010600040101010101" charset="-122"/>
+                <a:ea typeface="华文仿宋" panose="02010600040101010101" charset="-122"/>
+                <a:cs typeface="Montserrat" charset="0"/>
+                <a:sym typeface="+mn-ea"/>
+              </a:rPr>
+              <a:t>：SRS模板、制作SRS报告、查找各类标准需求模板、评分工作、组织会议</a:t>
+            </a:r>
+            <a:endParaRPr lang="zh-CN" altLang="en-US" sz="2000" spc="300" dirty="0">
+              <a:solidFill>
+                <a:srgbClr val="000000"/>
+              </a:solidFill>
+              <a:latin typeface="华文仿宋" panose="02010600040101010101" charset="-122"/>
+              <a:ea typeface="华文仿宋" panose="02010600040101010101" charset="-122"/>
+              <a:cs typeface="Montserrat" charset="0"/>
+              <a:sym typeface="+mn-ea"/>
+            </a:endParaRPr>
+          </a:p>
+          <a:p>
+            <a:pPr indent="457200" defTabSz="914400"/>
+            <a:r>
+              <a:rPr lang="zh-CN" altLang="en-US" sz="2000" spc="300" dirty="0">
+                <a:solidFill>
+                  <a:srgbClr val="000000"/>
+                </a:solidFill>
+                <a:latin typeface="华文仿宋" panose="02010600040101010101" charset="-122"/>
+                <a:ea typeface="华文仿宋" panose="02010600040101010101" charset="-122"/>
+                <a:cs typeface="Montserrat" charset="0"/>
+                <a:sym typeface="+mn-ea"/>
+              </a:rPr>
+              <a:t>完成程度：均已完成。	评分：86分。</a:t>
+            </a:r>
+            <a:endParaRPr lang="zh-CN" altLang="en-US" sz="2000" spc="300" dirty="0">
+              <a:solidFill>
+                <a:srgbClr val="000000"/>
+              </a:solidFill>
+              <a:latin typeface="华文仿宋" panose="02010600040101010101" charset="-122"/>
+              <a:ea typeface="华文仿宋" panose="02010600040101010101" charset="-122"/>
+              <a:cs typeface="Montserrat" charset="0"/>
+              <a:sym typeface="+mn-ea"/>
+            </a:endParaRPr>
+          </a:p>
+          <a:p>
+            <a:pPr indent="457200" defTabSz="914400"/>
+            <a:r>
+              <a:rPr lang="zh-CN" altLang="en-US" sz="2000" b="1" spc="300" dirty="0">
+                <a:solidFill>
+                  <a:srgbClr val="000000"/>
+                </a:solidFill>
+                <a:latin typeface="华文仿宋" panose="02010600040101010101" charset="-122"/>
+                <a:ea typeface="华文仿宋" panose="02010600040101010101" charset="-122"/>
+                <a:cs typeface="Montserrat" charset="0"/>
+                <a:sym typeface="+mn-ea"/>
+              </a:rPr>
+              <a:t>邹雨哲</a:t>
+            </a:r>
+            <a:r>
+              <a:rPr lang="zh-CN" altLang="en-US" sz="2000" spc="300" dirty="0">
+                <a:solidFill>
+                  <a:srgbClr val="000000"/>
+                </a:solidFill>
+                <a:latin typeface="华文仿宋" panose="02010600040101010101" charset="-122"/>
+                <a:ea typeface="华文仿宋" panose="02010600040101010101" charset="-122"/>
+                <a:cs typeface="Montserrat" charset="0"/>
+                <a:sym typeface="+mn-ea"/>
+              </a:rPr>
+              <a:t>：LOGO完善、项目PPT制作、参与制作SRS报告、PPT信息完善、数据字典及E-R图</a:t>
+            </a:r>
+            <a:endParaRPr lang="zh-CN" altLang="en-US" sz="2000" spc="300" dirty="0">
+              <a:solidFill>
+                <a:srgbClr val="000000"/>
+              </a:solidFill>
+              <a:latin typeface="华文仿宋" panose="02010600040101010101" charset="-122"/>
+              <a:ea typeface="华文仿宋" panose="02010600040101010101" charset="-122"/>
+              <a:cs typeface="Montserrat" charset="0"/>
+              <a:sym typeface="+mn-ea"/>
+            </a:endParaRPr>
+          </a:p>
+          <a:p>
+            <a:pPr indent="457200" defTabSz="914400"/>
+            <a:r>
+              <a:rPr lang="zh-CN" altLang="en-US" sz="2000" spc="300" dirty="0">
+                <a:solidFill>
+                  <a:srgbClr val="000000"/>
+                </a:solidFill>
+                <a:latin typeface="华文仿宋" panose="02010600040101010101" charset="-122"/>
+                <a:ea typeface="华文仿宋" panose="02010600040101010101" charset="-122"/>
+                <a:cs typeface="Montserrat" charset="0"/>
+                <a:sym typeface="+mn-ea"/>
+              </a:rPr>
+              <a:t>完成程度：均已完成。	评分：</a:t>
+            </a:r>
+            <a:r>
+              <a:rPr lang="en-US" altLang="zh-CN" sz="2000" spc="300" dirty="0">
+                <a:solidFill>
+                  <a:srgbClr val="000000"/>
+                </a:solidFill>
+                <a:latin typeface="华文仿宋" panose="02010600040101010101" charset="-122"/>
+                <a:ea typeface="华文仿宋" panose="02010600040101010101" charset="-122"/>
+                <a:cs typeface="Montserrat" charset="0"/>
+                <a:sym typeface="+mn-ea"/>
+              </a:rPr>
+              <a:t>90</a:t>
+            </a:r>
+            <a:r>
+              <a:rPr lang="zh-CN" altLang="en-US" sz="2000" spc="300" dirty="0">
+                <a:solidFill>
+                  <a:srgbClr val="000000"/>
+                </a:solidFill>
+                <a:latin typeface="华文仿宋" panose="02010600040101010101" charset="-122"/>
+                <a:ea typeface="华文仿宋" panose="02010600040101010101" charset="-122"/>
+                <a:cs typeface="Montserrat" charset="0"/>
+                <a:sym typeface="+mn-ea"/>
+              </a:rPr>
+              <a:t>分。</a:t>
+            </a:r>
+            <a:endParaRPr lang="zh-CN" altLang="en-US" sz="2000" spc="300" dirty="0">
+              <a:solidFill>
+                <a:srgbClr val="000000"/>
+              </a:solidFill>
+              <a:latin typeface="华文仿宋" panose="02010600040101010101" charset="-122"/>
+              <a:ea typeface="华文仿宋" panose="02010600040101010101" charset="-122"/>
+              <a:cs typeface="Montserrat" charset="0"/>
+              <a:sym typeface="+mn-ea"/>
+            </a:endParaRPr>
+          </a:p>
+          <a:p>
+            <a:pPr indent="457200" defTabSz="914400"/>
+            <a:r>
+              <a:rPr lang="zh-CN" altLang="en-US" sz="2000" b="1" spc="300" dirty="0">
+                <a:solidFill>
+                  <a:srgbClr val="000000"/>
+                </a:solidFill>
+                <a:latin typeface="华文仿宋" panose="02010600040101010101" charset="-122"/>
+                <a:ea typeface="华文仿宋" panose="02010600040101010101" charset="-122"/>
+                <a:cs typeface="Montserrat" charset="0"/>
+                <a:sym typeface="+mn-ea"/>
+              </a:rPr>
+              <a:t>姚杰昇</a:t>
+            </a:r>
+            <a:r>
+              <a:rPr lang="zh-CN" altLang="en-US" sz="2000" spc="300" dirty="0">
+                <a:solidFill>
+                  <a:srgbClr val="000000"/>
+                </a:solidFill>
+                <a:latin typeface="华文仿宋" panose="02010600040101010101" charset="-122"/>
+                <a:ea typeface="华文仿宋" panose="02010600040101010101" charset="-122"/>
+                <a:cs typeface="Montserrat" charset="0"/>
+                <a:sym typeface="+mn-ea"/>
+              </a:rPr>
+              <a:t>：项目PPT制作、SRS报告修改完善、参与制作SRS报告	、UI设计</a:t>
+            </a:r>
+            <a:endParaRPr lang="zh-CN" altLang="en-US" sz="2000" spc="300" dirty="0">
+              <a:solidFill>
+                <a:srgbClr val="000000"/>
+              </a:solidFill>
+              <a:latin typeface="华文仿宋" panose="02010600040101010101" charset="-122"/>
+              <a:ea typeface="华文仿宋" panose="02010600040101010101" charset="-122"/>
+              <a:cs typeface="Montserrat" charset="0"/>
+              <a:sym typeface="+mn-ea"/>
+            </a:endParaRPr>
+          </a:p>
+          <a:p>
+            <a:pPr indent="457200" defTabSz="914400"/>
+            <a:r>
+              <a:rPr lang="zh-CN" altLang="en-US" sz="2000" spc="300" dirty="0">
+                <a:solidFill>
+                  <a:srgbClr val="000000"/>
+                </a:solidFill>
+                <a:latin typeface="华文仿宋" panose="02010600040101010101" charset="-122"/>
+                <a:ea typeface="华文仿宋" panose="02010600040101010101" charset="-122"/>
+                <a:cs typeface="Montserrat" charset="0"/>
+                <a:sym typeface="+mn-ea"/>
+              </a:rPr>
+              <a:t>完成程度：均已完成。 评分：88分。）</a:t>
+            </a:r>
+            <a:endParaRPr lang="zh-CN" altLang="en-US" sz="2000" spc="300" dirty="0">
+              <a:solidFill>
+                <a:srgbClr val="000000"/>
+              </a:solidFill>
+              <a:latin typeface="华文仿宋" panose="02010600040101010101" charset="-122"/>
+              <a:ea typeface="华文仿宋" panose="02010600040101010101" charset="-122"/>
+              <a:cs typeface="Montserrat" charset="0"/>
+              <a:sym typeface="+mn-ea"/>
             </a:endParaRPr>
           </a:p>
         </p:txBody>
@@ -16379,7 +16937,7 @@
 
 <file path=ppt/tags/tag63.xml><?xml version="1.0" encoding="utf-8"?>
 <p:tagLst xmlns:p="http://schemas.openxmlformats.org/presentationml/2006/main">
-  <p:tag name="COMMONDATA" val="eyJoZGlkIjoiN2IzNDgwZGEyMmQzMzUwYjA4NjA4NGVjNmY5ZWQwMGEifQ=="/>
+  <p:tag name="COMMONDATA" val="eyJoZGlkIjoiODlkZGY5M2NjNTg0MDFlY2EwNDFhNjZlNmQ4ZGY2MmQifQ=="/>
   <p:tag name="KSO_WPP_MARK_KEY" val="f97293ce-c521-426b-af3c-6f5350f6c13f"/>
 </p:tagLst>
 </file>
